--- a/docs/Temperature Presentation/Quy/New_Wristband.pptx
+++ b/docs/Temperature Presentation/Quy/New_Wristband.pptx
@@ -472,6 +472,1613 @@
 </file>
 
 <file path=ppt/notesSlides/notesSlide1.xml><?xml version="1.0" encoding="utf-8"?>
+<p:notes xmlns:a="http://schemas.openxmlformats.org/drawingml/2006/main" xmlns:r="http://schemas.openxmlformats.org/officeDocument/2006/relationships" xmlns:p="http://schemas.openxmlformats.org/presentationml/2006/main">
+  <p:cSld>
+    <p:spTree>
+      <p:nvGrpSpPr>
+        <p:cNvPr id="1" name=""/>
+        <p:cNvGrpSpPr/>
+        <p:nvPr/>
+      </p:nvGrpSpPr>
+      <p:grpSpPr>
+        <a:xfrm>
+          <a:off x="0" y="0"/>
+          <a:ext cx="0" cy="0"/>
+          <a:chOff x="0" y="0"/>
+          <a:chExt cx="0" cy="0"/>
+        </a:xfrm>
+      </p:grpSpPr>
+      <p:sp>
+        <p:nvSpPr>
+          <p:cNvPr id="2" name="Slide Image Placeholder 1"/>
+          <p:cNvSpPr>
+            <a:spLocks noGrp="1" noRot="1" noChangeAspect="1"/>
+          </p:cNvSpPr>
+          <p:nvPr>
+            <p:ph type="sldImg"/>
+          </p:nvPr>
+        </p:nvSpPr>
+        <p:spPr/>
+      </p:sp>
+      <p:sp>
+        <p:nvSpPr>
+          <p:cNvPr id="3" name="Notes Placeholder 2"/>
+          <p:cNvSpPr>
+            <a:spLocks noGrp="1"/>
+          </p:cNvSpPr>
+          <p:nvPr>
+            <p:ph type="body" idx="1"/>
+          </p:nvPr>
+        </p:nvSpPr>
+        <p:spPr/>
+        <p:txBody>
+          <a:bodyPr/>
+          <a:lstStyle/>
+          <a:p>
+            <a:r>
+              <a:rPr lang="en-US" dirty="0" err="1" smtClean="0"/>
+              <a:t>Khi</a:t>
+            </a:r>
+            <a:r>
+              <a:rPr lang="en-US" baseline="0" dirty="0" smtClean="0"/>
+              <a:t> </a:t>
+            </a:r>
+            <a:r>
+              <a:rPr lang="en-US" baseline="0" dirty="0" err="1" smtClean="0"/>
+              <a:t>nói</a:t>
+            </a:r>
+            <a:r>
+              <a:rPr lang="en-US" baseline="0" dirty="0" smtClean="0"/>
+              <a:t> </a:t>
+            </a:r>
+            <a:r>
+              <a:rPr lang="en-US" baseline="0" dirty="0" err="1" smtClean="0"/>
+              <a:t>đến</a:t>
+            </a:r>
+            <a:r>
+              <a:rPr lang="en-US" baseline="0" dirty="0" smtClean="0"/>
+              <a:t> </a:t>
+            </a:r>
+            <a:r>
+              <a:rPr lang="en-US" baseline="0" dirty="0" err="1" smtClean="0"/>
+              <a:t>thiết</a:t>
+            </a:r>
+            <a:r>
+              <a:rPr lang="en-US" baseline="0" dirty="0" smtClean="0"/>
+              <a:t> </a:t>
+            </a:r>
+            <a:r>
+              <a:rPr lang="en-US" baseline="0" dirty="0" err="1" smtClean="0"/>
+              <a:t>bị</a:t>
+            </a:r>
+            <a:r>
+              <a:rPr lang="en-US" baseline="0" dirty="0" smtClean="0"/>
+              <a:t> </a:t>
+            </a:r>
+            <a:r>
+              <a:rPr lang="en-US" baseline="0" dirty="0" err="1" smtClean="0"/>
+              <a:t>sử</a:t>
+            </a:r>
+            <a:r>
+              <a:rPr lang="en-US" baseline="0" dirty="0" smtClean="0"/>
+              <a:t> </a:t>
+            </a:r>
+            <a:r>
+              <a:rPr lang="en-US" baseline="0" dirty="0" err="1" smtClean="0"/>
+              <a:t>dụng</a:t>
+            </a:r>
+            <a:r>
+              <a:rPr lang="en-US" baseline="0" dirty="0" smtClean="0"/>
+              <a:t> </a:t>
+            </a:r>
+            <a:r>
+              <a:rPr lang="en-US" baseline="0" dirty="0" err="1" smtClean="0"/>
+              <a:t>công</a:t>
+            </a:r>
+            <a:r>
+              <a:rPr lang="en-US" baseline="0" dirty="0" smtClean="0"/>
+              <a:t> </a:t>
+            </a:r>
+            <a:r>
+              <a:rPr lang="en-US" baseline="0" dirty="0" err="1" smtClean="0"/>
+              <a:t>nghệ</a:t>
+            </a:r>
+            <a:r>
+              <a:rPr lang="en-US" baseline="0" dirty="0" smtClean="0"/>
+              <a:t> BLE </a:t>
+            </a:r>
+            <a:r>
+              <a:rPr lang="en-US" baseline="0" dirty="0" err="1" smtClean="0"/>
+              <a:t>người</a:t>
+            </a:r>
+            <a:r>
+              <a:rPr lang="en-US" baseline="0" dirty="0" smtClean="0"/>
+              <a:t> ta chia </a:t>
+            </a:r>
+            <a:r>
+              <a:rPr lang="en-US" baseline="0" dirty="0" err="1" smtClean="0"/>
+              <a:t>nó</a:t>
+            </a:r>
+            <a:r>
+              <a:rPr lang="en-US" baseline="0" dirty="0" smtClean="0"/>
+              <a:t> </a:t>
+            </a:r>
+            <a:r>
+              <a:rPr lang="en-US" baseline="0" dirty="0" err="1" smtClean="0"/>
+              <a:t>thành</a:t>
+            </a:r>
+            <a:r>
+              <a:rPr lang="en-US" baseline="0" dirty="0" smtClean="0"/>
+              <a:t> 2 </a:t>
+            </a:r>
+            <a:r>
+              <a:rPr lang="en-US" baseline="0" dirty="0" err="1" smtClean="0"/>
+              <a:t>loại</a:t>
+            </a:r>
+            <a:r>
+              <a:rPr lang="en-US" baseline="0" dirty="0" smtClean="0"/>
+              <a:t> </a:t>
+            </a:r>
+            <a:r>
+              <a:rPr lang="en-US" baseline="0" dirty="0" err="1" smtClean="0"/>
+              <a:t>một</a:t>
+            </a:r>
+            <a:r>
+              <a:rPr lang="en-US" baseline="0" dirty="0" smtClean="0"/>
+              <a:t> </a:t>
+            </a:r>
+            <a:r>
+              <a:rPr lang="en-US" baseline="0" dirty="0" err="1" smtClean="0"/>
+              <a:t>là</a:t>
+            </a:r>
+            <a:r>
+              <a:rPr lang="en-US" baseline="0" dirty="0" smtClean="0"/>
+              <a:t> </a:t>
+            </a:r>
+            <a:r>
+              <a:rPr lang="en-US" baseline="0" dirty="0" err="1" smtClean="0"/>
+              <a:t>nhận</a:t>
+            </a:r>
+            <a:r>
+              <a:rPr lang="en-US" baseline="0" dirty="0" smtClean="0"/>
+              <a:t> </a:t>
+            </a:r>
+            <a:r>
+              <a:rPr lang="en-US" baseline="0" dirty="0" err="1" smtClean="0"/>
+              <a:t>lệnh</a:t>
+            </a:r>
+            <a:r>
+              <a:rPr lang="en-US" baseline="0" dirty="0" smtClean="0"/>
+              <a:t> </a:t>
+            </a:r>
+            <a:r>
+              <a:rPr lang="en-US" baseline="0" dirty="0" err="1" smtClean="0"/>
+              <a:t>và</a:t>
+            </a:r>
+            <a:r>
+              <a:rPr lang="en-US" baseline="0" dirty="0" smtClean="0"/>
+              <a:t> </a:t>
+            </a:r>
+            <a:r>
+              <a:rPr lang="en-US" baseline="0" dirty="0" err="1" smtClean="0"/>
+              <a:t>cung</a:t>
+            </a:r>
+            <a:r>
+              <a:rPr lang="en-US" baseline="0" dirty="0" smtClean="0"/>
+              <a:t> </a:t>
+            </a:r>
+            <a:r>
+              <a:rPr lang="en-US" baseline="0" dirty="0" err="1" smtClean="0"/>
+              <a:t>cấp</a:t>
+            </a:r>
+            <a:r>
+              <a:rPr lang="en-US" baseline="0" dirty="0" smtClean="0"/>
+              <a:t> </a:t>
+            </a:r>
+            <a:r>
+              <a:rPr lang="en-US" baseline="0" dirty="0" err="1" smtClean="0"/>
+              <a:t>dữ</a:t>
+            </a:r>
+            <a:r>
+              <a:rPr lang="en-US" baseline="0" dirty="0" smtClean="0"/>
+              <a:t> </a:t>
+            </a:r>
+            <a:r>
+              <a:rPr lang="en-US" baseline="0" dirty="0" err="1" smtClean="0"/>
+              <a:t>liệu</a:t>
+            </a:r>
+            <a:r>
+              <a:rPr lang="en-US" baseline="0" dirty="0" smtClean="0"/>
+              <a:t> ở </a:t>
+            </a:r>
+            <a:r>
+              <a:rPr lang="en-US" baseline="0" dirty="0" err="1" smtClean="0"/>
+              <a:t>đây</a:t>
+            </a:r>
+            <a:r>
+              <a:rPr lang="en-US" baseline="0" dirty="0" smtClean="0"/>
+              <a:t> </a:t>
+            </a:r>
+            <a:r>
+              <a:rPr lang="en-US" baseline="0" dirty="0" err="1" smtClean="0"/>
+              <a:t>là</a:t>
+            </a:r>
+            <a:r>
+              <a:rPr lang="en-US" baseline="0" dirty="0" smtClean="0"/>
+              <a:t> </a:t>
+            </a:r>
+            <a:r>
+              <a:rPr lang="en-US" baseline="0" dirty="0" err="1" smtClean="0"/>
+              <a:t>vòng</a:t>
+            </a:r>
+            <a:r>
+              <a:rPr lang="en-US" baseline="0" dirty="0" smtClean="0"/>
+              <a:t> </a:t>
+            </a:r>
+            <a:r>
+              <a:rPr lang="en-US" baseline="0" dirty="0" err="1" smtClean="0"/>
+              <a:t>đeo</a:t>
+            </a:r>
+            <a:r>
+              <a:rPr lang="en-US" baseline="0" dirty="0" smtClean="0"/>
+              <a:t> </a:t>
+            </a:r>
+            <a:r>
+              <a:rPr lang="en-US" baseline="0" dirty="0" err="1" smtClean="0"/>
+              <a:t>tay</a:t>
+            </a:r>
+            <a:r>
+              <a:rPr lang="en-US" baseline="0" dirty="0" smtClean="0"/>
+              <a:t>, </a:t>
+            </a:r>
+            <a:r>
+              <a:rPr lang="en-US" baseline="0" dirty="0" err="1" smtClean="0"/>
+              <a:t>hai</a:t>
+            </a:r>
+            <a:r>
+              <a:rPr lang="en-US" baseline="0" dirty="0" smtClean="0"/>
+              <a:t> </a:t>
+            </a:r>
+            <a:r>
+              <a:rPr lang="en-US" baseline="0" dirty="0" err="1" smtClean="0"/>
+              <a:t>là</a:t>
+            </a:r>
+            <a:r>
+              <a:rPr lang="en-US" baseline="0" dirty="0" smtClean="0"/>
+              <a:t> </a:t>
+            </a:r>
+            <a:r>
+              <a:rPr lang="en-US" baseline="0" dirty="0" err="1" smtClean="0"/>
+              <a:t>thiết</a:t>
+            </a:r>
+            <a:r>
+              <a:rPr lang="en-US" baseline="0" dirty="0" smtClean="0"/>
+              <a:t> </a:t>
+            </a:r>
+            <a:r>
+              <a:rPr lang="en-US" baseline="0" dirty="0" err="1" smtClean="0"/>
+              <a:t>bị</a:t>
+            </a:r>
+            <a:r>
+              <a:rPr lang="en-US" baseline="0" dirty="0" smtClean="0"/>
+              <a:t> </a:t>
+            </a:r>
+            <a:r>
+              <a:rPr lang="en-US" baseline="0" dirty="0" err="1" smtClean="0"/>
+              <a:t>nhận</a:t>
+            </a:r>
+            <a:r>
+              <a:rPr lang="en-US" baseline="0" dirty="0" smtClean="0"/>
+              <a:t> </a:t>
+            </a:r>
+            <a:r>
+              <a:rPr lang="en-US" baseline="0" dirty="0" err="1" smtClean="0"/>
+              <a:t>dữ</a:t>
+            </a:r>
+            <a:r>
+              <a:rPr lang="en-US" baseline="0" dirty="0" smtClean="0"/>
+              <a:t> </a:t>
+            </a:r>
+            <a:r>
+              <a:rPr lang="en-US" baseline="0" dirty="0" err="1" smtClean="0"/>
+              <a:t>liệu</a:t>
+            </a:r>
+            <a:r>
+              <a:rPr lang="en-US" baseline="0" dirty="0" smtClean="0"/>
+              <a:t> </a:t>
+            </a:r>
+            <a:r>
+              <a:rPr lang="en-US" baseline="0" dirty="0" err="1" smtClean="0"/>
+              <a:t>và</a:t>
+            </a:r>
+            <a:r>
+              <a:rPr lang="en-US" baseline="0" dirty="0" smtClean="0"/>
+              <a:t> </a:t>
+            </a:r>
+            <a:r>
+              <a:rPr lang="en-US" baseline="0" dirty="0" err="1" smtClean="0"/>
+              <a:t>đưa</a:t>
+            </a:r>
+            <a:r>
+              <a:rPr lang="en-US" baseline="0" dirty="0" smtClean="0"/>
+              <a:t> </a:t>
+            </a:r>
+            <a:r>
+              <a:rPr lang="en-US" baseline="0" dirty="0" err="1" smtClean="0"/>
+              <a:t>ra</a:t>
+            </a:r>
+            <a:r>
+              <a:rPr lang="en-US" baseline="0" dirty="0" smtClean="0"/>
+              <a:t> </a:t>
+            </a:r>
+            <a:r>
+              <a:rPr lang="en-US" baseline="0" dirty="0" err="1" smtClean="0"/>
+              <a:t>lệnh</a:t>
+            </a:r>
+            <a:r>
+              <a:rPr lang="en-US" baseline="0" dirty="0" smtClean="0"/>
+              <a:t>.</a:t>
+            </a:r>
+            <a:endParaRPr lang="en-US" dirty="0" smtClean="0"/>
+          </a:p>
+          <a:p>
+            <a:r>
+              <a:rPr lang="en-US" dirty="0" err="1" smtClean="0"/>
+              <a:t>Một</a:t>
+            </a:r>
+            <a:r>
+              <a:rPr lang="en-US" baseline="0" dirty="0" smtClean="0"/>
+              <a:t> </a:t>
+            </a:r>
+            <a:r>
+              <a:rPr lang="en-US" baseline="0" dirty="0" err="1" smtClean="0"/>
+              <a:t>vòng</a:t>
+            </a:r>
+            <a:r>
+              <a:rPr lang="en-US" baseline="0" dirty="0" smtClean="0"/>
+              <a:t> </a:t>
+            </a:r>
+            <a:r>
+              <a:rPr lang="en-US" baseline="0" dirty="0" err="1" smtClean="0"/>
+              <a:t>đeo</a:t>
+            </a:r>
+            <a:r>
+              <a:rPr lang="en-US" baseline="0" dirty="0" smtClean="0"/>
+              <a:t> </a:t>
+            </a:r>
+            <a:r>
+              <a:rPr lang="en-US" baseline="0" dirty="0" err="1" smtClean="0"/>
+              <a:t>tay</a:t>
+            </a:r>
+            <a:r>
+              <a:rPr lang="en-US" baseline="0" dirty="0" smtClean="0"/>
+              <a:t> </a:t>
+            </a:r>
+            <a:r>
+              <a:rPr lang="en-US" baseline="0" dirty="0" err="1" smtClean="0"/>
+              <a:t>thông</a:t>
+            </a:r>
+            <a:r>
+              <a:rPr lang="en-US" baseline="0" dirty="0" smtClean="0"/>
+              <a:t> minh </a:t>
+            </a:r>
+            <a:r>
+              <a:rPr lang="en-US" baseline="0" dirty="0" err="1" smtClean="0"/>
+              <a:t>khi</a:t>
+            </a:r>
+            <a:r>
+              <a:rPr lang="en-US" baseline="0" dirty="0" smtClean="0"/>
+              <a:t> </a:t>
+            </a:r>
+            <a:r>
+              <a:rPr lang="en-US" baseline="0" dirty="0" err="1" smtClean="0"/>
+              <a:t>mới</a:t>
+            </a:r>
+            <a:r>
+              <a:rPr lang="en-US" baseline="0" dirty="0" smtClean="0"/>
+              <a:t> </a:t>
+            </a:r>
+            <a:r>
+              <a:rPr lang="en-US" baseline="0" dirty="0" err="1" smtClean="0"/>
+              <a:t>mua</a:t>
+            </a:r>
+            <a:r>
+              <a:rPr lang="en-US" baseline="0" dirty="0" smtClean="0"/>
+              <a:t> </a:t>
+            </a:r>
+            <a:r>
+              <a:rPr lang="en-US" baseline="0" dirty="0" err="1" smtClean="0"/>
+              <a:t>về</a:t>
+            </a:r>
+            <a:r>
+              <a:rPr lang="en-US" baseline="0" dirty="0" smtClean="0"/>
+              <a:t> </a:t>
+            </a:r>
+            <a:r>
+              <a:rPr lang="en-US" baseline="0" dirty="0" err="1" smtClean="0"/>
+              <a:t>chưa</a:t>
+            </a:r>
+            <a:r>
+              <a:rPr lang="en-US" baseline="0" dirty="0" smtClean="0"/>
+              <a:t> </a:t>
+            </a:r>
+            <a:r>
+              <a:rPr lang="en-US" baseline="0" dirty="0" err="1" smtClean="0"/>
+              <a:t>được</a:t>
+            </a:r>
+            <a:r>
+              <a:rPr lang="en-US" baseline="0" dirty="0" smtClean="0"/>
+              <a:t> </a:t>
+            </a:r>
+            <a:r>
+              <a:rPr lang="en-US" baseline="0" dirty="0" err="1" smtClean="0"/>
+              <a:t>kết</a:t>
+            </a:r>
+            <a:r>
+              <a:rPr lang="en-US" baseline="0" dirty="0" smtClean="0"/>
+              <a:t> </a:t>
+            </a:r>
+            <a:r>
+              <a:rPr lang="en-US" baseline="0" dirty="0" err="1" smtClean="0"/>
+              <a:t>nối</a:t>
+            </a:r>
+            <a:r>
+              <a:rPr lang="en-US" baseline="0" dirty="0" smtClean="0"/>
+              <a:t> </a:t>
+            </a:r>
+            <a:r>
+              <a:rPr lang="en-US" baseline="0" dirty="0" err="1" smtClean="0"/>
+              <a:t>với</a:t>
+            </a:r>
+            <a:r>
+              <a:rPr lang="en-US" baseline="0" dirty="0" smtClean="0"/>
+              <a:t> </a:t>
+            </a:r>
+            <a:r>
+              <a:rPr lang="en-US" baseline="0" dirty="0" err="1" smtClean="0"/>
+              <a:t>bất</a:t>
+            </a:r>
+            <a:r>
+              <a:rPr lang="en-US" baseline="0" dirty="0" smtClean="0"/>
+              <a:t> </a:t>
+            </a:r>
+            <a:r>
+              <a:rPr lang="en-US" baseline="0" dirty="0" err="1" smtClean="0"/>
+              <a:t>kì</a:t>
+            </a:r>
+            <a:r>
+              <a:rPr lang="en-US" baseline="0" dirty="0" smtClean="0"/>
+              <a:t> </a:t>
+            </a:r>
+            <a:r>
+              <a:rPr lang="en-US" baseline="0" dirty="0" err="1" smtClean="0"/>
+              <a:t>thiết</a:t>
+            </a:r>
+            <a:r>
+              <a:rPr lang="en-US" baseline="0" dirty="0" smtClean="0"/>
+              <a:t> </a:t>
+            </a:r>
+            <a:r>
+              <a:rPr lang="en-US" baseline="0" dirty="0" err="1" smtClean="0"/>
+              <a:t>bị</a:t>
+            </a:r>
+            <a:r>
+              <a:rPr lang="en-US" baseline="0" dirty="0" smtClean="0"/>
+              <a:t> </a:t>
+            </a:r>
+            <a:r>
+              <a:rPr lang="en-US" baseline="0" dirty="0" err="1" smtClean="0"/>
+              <a:t>nào</a:t>
+            </a:r>
+            <a:r>
+              <a:rPr lang="en-US" baseline="0" dirty="0" smtClean="0"/>
+              <a:t> </a:t>
+            </a:r>
+            <a:r>
+              <a:rPr lang="en-US" baseline="0" dirty="0" err="1" smtClean="0"/>
+              <a:t>thì</a:t>
+            </a:r>
+            <a:r>
+              <a:rPr lang="en-US" baseline="0" dirty="0" smtClean="0"/>
+              <a:t> </a:t>
+            </a:r>
+            <a:r>
+              <a:rPr lang="en-US" baseline="0" dirty="0" err="1" smtClean="0"/>
+              <a:t>nó</a:t>
+            </a:r>
+            <a:r>
+              <a:rPr lang="en-US" baseline="0" dirty="0" smtClean="0"/>
+              <a:t> </a:t>
+            </a:r>
+            <a:r>
+              <a:rPr lang="en-US" baseline="0" dirty="0" err="1" smtClean="0"/>
+              <a:t>luôn</a:t>
+            </a:r>
+            <a:r>
+              <a:rPr lang="en-US" baseline="0" dirty="0" smtClean="0"/>
+              <a:t> </a:t>
+            </a:r>
+            <a:r>
+              <a:rPr lang="en-US" baseline="0" dirty="0" err="1" smtClean="0"/>
+              <a:t>gửi</a:t>
+            </a:r>
+            <a:r>
+              <a:rPr lang="en-US" baseline="0" dirty="0" smtClean="0"/>
+              <a:t> </a:t>
+            </a:r>
+            <a:r>
+              <a:rPr lang="en-US" baseline="0" dirty="0" err="1" smtClean="0"/>
+              <a:t>ra</a:t>
+            </a:r>
+            <a:r>
+              <a:rPr lang="en-US" baseline="0" dirty="0" smtClean="0"/>
+              <a:t> </a:t>
+            </a:r>
+            <a:r>
+              <a:rPr lang="en-US" baseline="0" dirty="0" err="1" smtClean="0"/>
+              <a:t>bên</a:t>
+            </a:r>
+            <a:r>
+              <a:rPr lang="en-US" baseline="0" dirty="0" smtClean="0"/>
+              <a:t> </a:t>
+            </a:r>
+            <a:r>
+              <a:rPr lang="en-US" baseline="0" dirty="0" err="1" smtClean="0"/>
+              <a:t>ngoài</a:t>
+            </a:r>
+            <a:r>
+              <a:rPr lang="en-US" baseline="0" dirty="0" smtClean="0"/>
+              <a:t> 1 </a:t>
+            </a:r>
+            <a:r>
+              <a:rPr lang="en-US" baseline="0" dirty="0" err="1" smtClean="0"/>
+              <a:t>gói</a:t>
+            </a:r>
+            <a:r>
+              <a:rPr lang="en-US" baseline="0" dirty="0" smtClean="0"/>
+              <a:t> </a:t>
+            </a:r>
+            <a:r>
+              <a:rPr lang="en-US" baseline="0" dirty="0" err="1" smtClean="0"/>
+              <a:t>được</a:t>
+            </a:r>
+            <a:r>
+              <a:rPr lang="en-US" baseline="0" dirty="0" smtClean="0"/>
+              <a:t> </a:t>
+            </a:r>
+            <a:r>
+              <a:rPr lang="en-US" baseline="0" dirty="0" err="1" smtClean="0"/>
+              <a:t>gọi</a:t>
+            </a:r>
+            <a:r>
+              <a:rPr lang="en-US" baseline="0" dirty="0" smtClean="0"/>
+              <a:t> </a:t>
+            </a:r>
+            <a:r>
+              <a:rPr lang="en-US" baseline="0" dirty="0" err="1" smtClean="0"/>
+              <a:t>là</a:t>
+            </a:r>
+            <a:r>
+              <a:rPr lang="en-US" baseline="0" dirty="0" smtClean="0"/>
+              <a:t> advertising package </a:t>
+            </a:r>
+            <a:r>
+              <a:rPr lang="en-US" baseline="0" dirty="0" err="1" smtClean="0"/>
+              <a:t>gói</a:t>
+            </a:r>
+            <a:r>
+              <a:rPr lang="en-US" baseline="0" dirty="0" smtClean="0"/>
+              <a:t> </a:t>
+            </a:r>
+            <a:r>
+              <a:rPr lang="en-US" baseline="0" dirty="0" err="1" smtClean="0"/>
+              <a:t>đó</a:t>
+            </a:r>
+            <a:r>
+              <a:rPr lang="en-US" baseline="0" dirty="0" smtClean="0"/>
+              <a:t> </a:t>
+            </a:r>
+            <a:r>
+              <a:rPr lang="en-US" baseline="0" dirty="0" err="1" smtClean="0"/>
+              <a:t>bao</a:t>
+            </a:r>
+            <a:r>
+              <a:rPr lang="en-US" baseline="0" dirty="0" smtClean="0"/>
+              <a:t> </a:t>
+            </a:r>
+            <a:r>
+              <a:rPr lang="en-US" baseline="0" dirty="0" err="1" smtClean="0"/>
+              <a:t>gồm</a:t>
+            </a:r>
+            <a:r>
+              <a:rPr lang="en-US" baseline="0" dirty="0" smtClean="0"/>
+              <a:t> “</a:t>
+            </a:r>
+            <a:r>
+              <a:rPr lang="en-US" baseline="0" dirty="0" err="1" smtClean="0"/>
+              <a:t>Tên</a:t>
+            </a:r>
+            <a:r>
+              <a:rPr lang="en-US" baseline="0" dirty="0" smtClean="0"/>
+              <a:t> </a:t>
+            </a:r>
+            <a:r>
+              <a:rPr lang="en-US" baseline="0" dirty="0" err="1" smtClean="0"/>
+              <a:t>và</a:t>
+            </a:r>
+            <a:r>
+              <a:rPr lang="en-US" baseline="0" dirty="0" smtClean="0"/>
+              <a:t> </a:t>
+            </a:r>
+            <a:r>
+              <a:rPr lang="en-US" baseline="0" dirty="0" err="1" smtClean="0"/>
+              <a:t>địa</a:t>
+            </a:r>
+            <a:r>
+              <a:rPr lang="en-US" baseline="0" dirty="0" smtClean="0"/>
+              <a:t> </a:t>
+            </a:r>
+            <a:r>
+              <a:rPr lang="en-US" baseline="0" dirty="0" err="1" smtClean="0"/>
+              <a:t>chỉ</a:t>
+            </a:r>
+            <a:r>
+              <a:rPr lang="en-US" baseline="0" dirty="0" smtClean="0"/>
+              <a:t> </a:t>
+            </a:r>
+            <a:r>
+              <a:rPr lang="en-US" baseline="0" dirty="0" err="1" smtClean="0"/>
+              <a:t>của</a:t>
+            </a:r>
+            <a:r>
+              <a:rPr lang="en-US" baseline="0" dirty="0" smtClean="0"/>
+              <a:t> </a:t>
+            </a:r>
+            <a:r>
+              <a:rPr lang="en-US" baseline="0" dirty="0" err="1" smtClean="0"/>
+              <a:t>vòng</a:t>
+            </a:r>
+            <a:r>
+              <a:rPr lang="en-US" baseline="0" dirty="0" smtClean="0"/>
+              <a:t> </a:t>
+            </a:r>
+            <a:r>
+              <a:rPr lang="en-US" baseline="0" dirty="0" err="1" smtClean="0"/>
+              <a:t>đeo</a:t>
+            </a:r>
+            <a:r>
+              <a:rPr lang="en-US" baseline="0" dirty="0" smtClean="0"/>
+              <a:t> </a:t>
+            </a:r>
+            <a:r>
+              <a:rPr lang="en-US" baseline="0" dirty="0" err="1" smtClean="0"/>
+              <a:t>tay</a:t>
+            </a:r>
+            <a:r>
+              <a:rPr lang="en-US" baseline="0" dirty="0" smtClean="0"/>
+              <a:t> </a:t>
+            </a:r>
+            <a:r>
+              <a:rPr lang="en-US" baseline="0" dirty="0" err="1" smtClean="0"/>
+              <a:t>đó</a:t>
+            </a:r>
+            <a:r>
+              <a:rPr lang="en-US" baseline="0" dirty="0" smtClean="0"/>
+              <a:t>”.</a:t>
+            </a:r>
+          </a:p>
+          <a:p>
+            <a:r>
+              <a:rPr lang="en-US" baseline="0" dirty="0" err="1" smtClean="0"/>
+              <a:t>Ứng</a:t>
+            </a:r>
+            <a:r>
+              <a:rPr lang="en-US" baseline="0" dirty="0" smtClean="0"/>
+              <a:t> </a:t>
+            </a:r>
+            <a:r>
+              <a:rPr lang="en-US" baseline="0" dirty="0" err="1" smtClean="0"/>
+              <a:t>dụng</a:t>
+            </a:r>
+            <a:r>
+              <a:rPr lang="en-US" baseline="0" dirty="0" smtClean="0"/>
+              <a:t> </a:t>
+            </a:r>
+            <a:r>
+              <a:rPr lang="en-US" baseline="0" dirty="0" err="1" smtClean="0"/>
+              <a:t>của</a:t>
+            </a:r>
+            <a:r>
+              <a:rPr lang="en-US" baseline="0" dirty="0" smtClean="0"/>
+              <a:t> </a:t>
+            </a:r>
+            <a:r>
+              <a:rPr lang="en-US" baseline="0" dirty="0" err="1" smtClean="0"/>
+              <a:t>chúng</a:t>
+            </a:r>
+            <a:r>
+              <a:rPr lang="en-US" baseline="0" dirty="0" smtClean="0"/>
+              <a:t> </a:t>
+            </a:r>
+            <a:r>
+              <a:rPr lang="en-US" baseline="0" dirty="0" err="1" smtClean="0"/>
+              <a:t>tôi</a:t>
+            </a:r>
+            <a:r>
+              <a:rPr lang="en-US" baseline="0" dirty="0" smtClean="0"/>
+              <a:t> </a:t>
+            </a:r>
+            <a:r>
+              <a:rPr lang="en-US" baseline="0" dirty="0" err="1" smtClean="0"/>
+              <a:t>sẽ</a:t>
+            </a:r>
+            <a:r>
+              <a:rPr lang="en-US" baseline="0" dirty="0" smtClean="0"/>
+              <a:t> </a:t>
+            </a:r>
+            <a:r>
+              <a:rPr lang="en-US" baseline="0" dirty="0" err="1" smtClean="0"/>
+              <a:t>yêu</a:t>
+            </a:r>
+            <a:r>
+              <a:rPr lang="en-US" baseline="0" dirty="0" smtClean="0"/>
+              <a:t> </a:t>
+            </a:r>
+            <a:r>
+              <a:rPr lang="en-US" baseline="0" dirty="0" err="1" smtClean="0"/>
+              <a:t>cầu</a:t>
+            </a:r>
+            <a:r>
+              <a:rPr lang="en-US" baseline="0" dirty="0" smtClean="0"/>
+              <a:t> </a:t>
+            </a:r>
+            <a:r>
+              <a:rPr lang="en-US" baseline="0" dirty="0" err="1" smtClean="0"/>
+              <a:t>hệ</a:t>
+            </a:r>
+            <a:r>
+              <a:rPr lang="en-US" baseline="0" dirty="0" smtClean="0"/>
+              <a:t> </a:t>
+            </a:r>
+            <a:r>
+              <a:rPr lang="en-US" baseline="0" dirty="0" err="1" smtClean="0"/>
+              <a:t>điều</a:t>
+            </a:r>
+            <a:r>
+              <a:rPr lang="en-US" baseline="0" dirty="0" smtClean="0"/>
+              <a:t> </a:t>
+            </a:r>
+            <a:r>
+              <a:rPr lang="en-US" baseline="0" dirty="0" err="1" smtClean="0"/>
+              <a:t>hành</a:t>
+            </a:r>
+            <a:r>
+              <a:rPr lang="en-US" baseline="0" dirty="0" smtClean="0"/>
+              <a:t> android </a:t>
+            </a:r>
+            <a:r>
+              <a:rPr lang="en-US" baseline="0" dirty="0" err="1" smtClean="0"/>
+              <a:t>tìm</a:t>
+            </a:r>
+            <a:r>
+              <a:rPr lang="en-US" baseline="0" dirty="0" smtClean="0"/>
+              <a:t> </a:t>
+            </a:r>
+            <a:r>
+              <a:rPr lang="en-US" baseline="0" dirty="0" err="1" smtClean="0"/>
+              <a:t>và</a:t>
+            </a:r>
+            <a:r>
+              <a:rPr lang="en-US" baseline="0" dirty="0" smtClean="0"/>
+              <a:t> list </a:t>
+            </a:r>
+            <a:r>
+              <a:rPr lang="en-US" baseline="0" dirty="0" err="1" smtClean="0"/>
+              <a:t>ra</a:t>
+            </a:r>
+            <a:r>
+              <a:rPr lang="en-US" baseline="0" dirty="0" smtClean="0"/>
+              <a:t> </a:t>
+            </a:r>
+            <a:r>
+              <a:rPr lang="en-US" baseline="0" dirty="0" err="1" smtClean="0"/>
+              <a:t>danh</a:t>
+            </a:r>
+            <a:r>
+              <a:rPr lang="en-US" baseline="0" dirty="0" smtClean="0"/>
+              <a:t> </a:t>
+            </a:r>
+            <a:r>
+              <a:rPr lang="en-US" baseline="0" dirty="0" err="1" smtClean="0"/>
+              <a:t>sách</a:t>
+            </a:r>
+            <a:r>
+              <a:rPr lang="en-US" baseline="0" dirty="0" smtClean="0"/>
+              <a:t> </a:t>
+            </a:r>
+            <a:r>
+              <a:rPr lang="en-US" baseline="0" dirty="0" err="1" smtClean="0"/>
+              <a:t>các</a:t>
+            </a:r>
+            <a:r>
+              <a:rPr lang="en-US" baseline="0" dirty="0" smtClean="0"/>
+              <a:t> </a:t>
+            </a:r>
+            <a:r>
+              <a:rPr lang="en-US" baseline="0" dirty="0" err="1" smtClean="0"/>
+              <a:t>thiết</a:t>
+            </a:r>
+            <a:r>
+              <a:rPr lang="en-US" baseline="0" dirty="0" smtClean="0"/>
+              <a:t> </a:t>
+            </a:r>
+            <a:r>
+              <a:rPr lang="en-US" baseline="0" dirty="0" err="1" smtClean="0"/>
+              <a:t>bị</a:t>
+            </a:r>
+            <a:r>
+              <a:rPr lang="en-US" baseline="0" dirty="0" smtClean="0"/>
+              <a:t> BLE ở </a:t>
+            </a:r>
+            <a:r>
+              <a:rPr lang="en-US" baseline="0" dirty="0" err="1" smtClean="0"/>
+              <a:t>gần</a:t>
+            </a:r>
+            <a:r>
+              <a:rPr lang="en-US" baseline="0" dirty="0" smtClean="0"/>
+              <a:t>.</a:t>
+            </a:r>
+          </a:p>
+          <a:p>
+            <a:endParaRPr lang="vi-VN" dirty="0"/>
+          </a:p>
+        </p:txBody>
+      </p:sp>
+      <p:sp>
+        <p:nvSpPr>
+          <p:cNvPr id="4" name="Slide Number Placeholder 3"/>
+          <p:cNvSpPr>
+            <a:spLocks noGrp="1"/>
+          </p:cNvSpPr>
+          <p:nvPr>
+            <p:ph type="sldNum" sz="quarter" idx="10"/>
+          </p:nvPr>
+        </p:nvSpPr>
+        <p:spPr/>
+        <p:txBody>
+          <a:bodyPr/>
+          <a:lstStyle/>
+          <a:p>
+            <a:fld id="{7D598720-40A9-4507-82B1-B32D5FA228CF}" type="slidenum">
+              <a:rPr lang="vi-VN" smtClean="0"/>
+              <a:t>1</a:t>
+            </a:fld>
+            <a:endParaRPr lang="vi-VN"/>
+          </a:p>
+        </p:txBody>
+      </p:sp>
+    </p:spTree>
+    <p:extLst>
+      <p:ext uri="{BB962C8B-B14F-4D97-AF65-F5344CB8AC3E}">
+        <p14:creationId xmlns:p14="http://schemas.microsoft.com/office/powerpoint/2010/main" val="656136990"/>
+      </p:ext>
+    </p:extLst>
+  </p:cSld>
+  <p:clrMapOvr>
+    <a:masterClrMapping/>
+  </p:clrMapOvr>
+</p:notes>
+</file>
+
+<file path=ppt/notesSlides/notesSlide2.xml><?xml version="1.0" encoding="utf-8"?>
+<p:notes xmlns:a="http://schemas.openxmlformats.org/drawingml/2006/main" xmlns:r="http://schemas.openxmlformats.org/officeDocument/2006/relationships" xmlns:p="http://schemas.openxmlformats.org/presentationml/2006/main">
+  <p:cSld>
+    <p:spTree>
+      <p:nvGrpSpPr>
+        <p:cNvPr id="1" name=""/>
+        <p:cNvGrpSpPr/>
+        <p:nvPr/>
+      </p:nvGrpSpPr>
+      <p:grpSpPr>
+        <a:xfrm>
+          <a:off x="0" y="0"/>
+          <a:ext cx="0" cy="0"/>
+          <a:chOff x="0" y="0"/>
+          <a:chExt cx="0" cy="0"/>
+        </a:xfrm>
+      </p:grpSpPr>
+      <p:sp>
+        <p:nvSpPr>
+          <p:cNvPr id="2" name="Slide Image Placeholder 1"/>
+          <p:cNvSpPr>
+            <a:spLocks noGrp="1" noRot="1" noChangeAspect="1"/>
+          </p:cNvSpPr>
+          <p:nvPr>
+            <p:ph type="sldImg"/>
+          </p:nvPr>
+        </p:nvSpPr>
+        <p:spPr/>
+      </p:sp>
+      <p:sp>
+        <p:nvSpPr>
+          <p:cNvPr id="3" name="Notes Placeholder 2"/>
+          <p:cNvSpPr>
+            <a:spLocks noGrp="1"/>
+          </p:cNvSpPr>
+          <p:nvPr>
+            <p:ph type="body" idx="1"/>
+          </p:nvPr>
+        </p:nvSpPr>
+        <p:spPr/>
+        <p:txBody>
+          <a:bodyPr/>
+          <a:lstStyle/>
+          <a:p>
+            <a:r>
+              <a:rPr lang="en-US" dirty="0" err="1" smtClean="0"/>
+              <a:t>Sau</a:t>
+            </a:r>
+            <a:r>
+              <a:rPr lang="en-US" dirty="0" smtClean="0"/>
+              <a:t> </a:t>
+            </a:r>
+            <a:r>
+              <a:rPr lang="en-US" dirty="0" err="1" smtClean="0"/>
+              <a:t>khi</a:t>
+            </a:r>
+            <a:r>
+              <a:rPr lang="en-US" dirty="0" smtClean="0"/>
+              <a:t> </a:t>
+            </a:r>
+            <a:r>
+              <a:rPr lang="en-US" dirty="0" err="1" smtClean="0"/>
+              <a:t>bệnh</a:t>
+            </a:r>
+            <a:r>
+              <a:rPr lang="en-US" baseline="0" dirty="0" smtClean="0"/>
+              <a:t> </a:t>
+            </a:r>
+            <a:r>
+              <a:rPr lang="en-US" baseline="0" dirty="0" err="1" smtClean="0"/>
+              <a:t>nhân</a:t>
+            </a:r>
+            <a:r>
+              <a:rPr lang="en-US" baseline="0" dirty="0" smtClean="0"/>
+              <a:t> </a:t>
+            </a:r>
+            <a:r>
+              <a:rPr lang="en-US" baseline="0" dirty="0" err="1" smtClean="0"/>
+              <a:t>chọn</a:t>
+            </a:r>
+            <a:r>
+              <a:rPr lang="en-US" baseline="0" dirty="0" smtClean="0"/>
+              <a:t> 1 </a:t>
+            </a:r>
+            <a:r>
+              <a:rPr lang="en-US" baseline="0" dirty="0" err="1" smtClean="0"/>
+              <a:t>thiết</a:t>
+            </a:r>
+            <a:r>
+              <a:rPr lang="en-US" baseline="0" dirty="0" smtClean="0"/>
+              <a:t> </a:t>
+            </a:r>
+            <a:r>
+              <a:rPr lang="en-US" baseline="0" dirty="0" err="1" smtClean="0"/>
+              <a:t>bị</a:t>
+            </a:r>
+            <a:r>
+              <a:rPr lang="en-US" baseline="0" dirty="0" smtClean="0"/>
+              <a:t>, </a:t>
+            </a:r>
+            <a:r>
+              <a:rPr lang="en-US" baseline="0" dirty="0" err="1" smtClean="0"/>
+              <a:t>ứng</a:t>
+            </a:r>
+            <a:r>
+              <a:rPr lang="en-US" baseline="0" dirty="0" smtClean="0"/>
+              <a:t> </a:t>
+            </a:r>
+            <a:r>
+              <a:rPr lang="en-US" baseline="0" dirty="0" err="1" smtClean="0"/>
+              <a:t>dụng</a:t>
+            </a:r>
+            <a:r>
+              <a:rPr lang="en-US" baseline="0" dirty="0" smtClean="0"/>
+              <a:t> </a:t>
+            </a:r>
+            <a:r>
+              <a:rPr lang="en-US" baseline="0" dirty="0" err="1" smtClean="0"/>
+              <a:t>sẽ</a:t>
+            </a:r>
+            <a:r>
+              <a:rPr lang="en-US" baseline="0" dirty="0" smtClean="0"/>
+              <a:t> </a:t>
+            </a:r>
+            <a:r>
+              <a:rPr lang="en-US" baseline="0" dirty="0" err="1" smtClean="0"/>
+              <a:t>nhờ</a:t>
+            </a:r>
+            <a:r>
+              <a:rPr lang="en-US" baseline="0" dirty="0" smtClean="0"/>
+              <a:t> </a:t>
+            </a:r>
+            <a:r>
+              <a:rPr lang="en-US" baseline="0" dirty="0" err="1" smtClean="0"/>
+              <a:t>hệ</a:t>
+            </a:r>
+            <a:r>
+              <a:rPr lang="en-US" baseline="0" dirty="0" smtClean="0"/>
+              <a:t> </a:t>
+            </a:r>
+            <a:r>
+              <a:rPr lang="en-US" baseline="0" dirty="0" err="1" smtClean="0"/>
+              <a:t>điều</a:t>
+            </a:r>
+            <a:r>
+              <a:rPr lang="en-US" baseline="0" dirty="0" smtClean="0"/>
+              <a:t> </a:t>
+            </a:r>
+            <a:r>
+              <a:rPr lang="en-US" baseline="0" dirty="0" err="1" smtClean="0"/>
+              <a:t>hành</a:t>
+            </a:r>
+            <a:r>
+              <a:rPr lang="en-US" baseline="0" dirty="0" smtClean="0"/>
+              <a:t> android </a:t>
+            </a:r>
+            <a:r>
+              <a:rPr lang="en-US" baseline="0" dirty="0" err="1" smtClean="0"/>
+              <a:t>gửi</a:t>
+            </a:r>
+            <a:r>
+              <a:rPr lang="en-US" baseline="0" dirty="0" smtClean="0"/>
+              <a:t> 1 </a:t>
+            </a:r>
+            <a:r>
+              <a:rPr lang="en-US" baseline="0" dirty="0" err="1" smtClean="0"/>
+              <a:t>lệnh</a:t>
+            </a:r>
+            <a:r>
+              <a:rPr lang="en-US" baseline="0" dirty="0" smtClean="0"/>
+              <a:t> </a:t>
+            </a:r>
+            <a:r>
+              <a:rPr lang="en-US" baseline="0" dirty="0" err="1" smtClean="0"/>
+              <a:t>là</a:t>
+            </a:r>
+            <a:r>
+              <a:rPr lang="en-US" baseline="0" dirty="0" smtClean="0"/>
+              <a:t> register command </a:t>
+            </a:r>
+            <a:r>
+              <a:rPr lang="en-US" baseline="0" dirty="0" err="1" smtClean="0"/>
+              <a:t>đến</a:t>
+            </a:r>
+            <a:r>
+              <a:rPr lang="en-US" baseline="0" dirty="0" smtClean="0"/>
+              <a:t> </a:t>
+            </a:r>
+            <a:r>
+              <a:rPr lang="en-US" baseline="0" dirty="0" err="1" smtClean="0"/>
+              <a:t>vòng</a:t>
+            </a:r>
+            <a:r>
+              <a:rPr lang="en-US" baseline="0" dirty="0" smtClean="0"/>
+              <a:t> </a:t>
+            </a:r>
+            <a:r>
+              <a:rPr lang="en-US" baseline="0" dirty="0" err="1" smtClean="0"/>
+              <a:t>đeo</a:t>
+            </a:r>
+            <a:r>
+              <a:rPr lang="en-US" baseline="0" dirty="0" smtClean="0"/>
+              <a:t> </a:t>
+            </a:r>
+            <a:r>
+              <a:rPr lang="en-US" baseline="0" dirty="0" err="1" smtClean="0"/>
+              <a:t>tay</a:t>
+            </a:r>
+            <a:r>
+              <a:rPr lang="en-US" baseline="0" dirty="0" smtClean="0"/>
+              <a:t>.</a:t>
+            </a:r>
+            <a:endParaRPr lang="vi-VN" dirty="0"/>
+          </a:p>
+        </p:txBody>
+      </p:sp>
+      <p:sp>
+        <p:nvSpPr>
+          <p:cNvPr id="4" name="Slide Number Placeholder 3"/>
+          <p:cNvSpPr>
+            <a:spLocks noGrp="1"/>
+          </p:cNvSpPr>
+          <p:nvPr>
+            <p:ph type="sldNum" sz="quarter" idx="10"/>
+          </p:nvPr>
+        </p:nvSpPr>
+        <p:spPr/>
+        <p:txBody>
+          <a:bodyPr/>
+          <a:lstStyle/>
+          <a:p>
+            <a:fld id="{7D598720-40A9-4507-82B1-B32D5FA228CF}" type="slidenum">
+              <a:rPr lang="vi-VN" smtClean="0"/>
+              <a:t>2</a:t>
+            </a:fld>
+            <a:endParaRPr lang="vi-VN"/>
+          </a:p>
+        </p:txBody>
+      </p:sp>
+    </p:spTree>
+    <p:extLst>
+      <p:ext uri="{BB962C8B-B14F-4D97-AF65-F5344CB8AC3E}">
+        <p14:creationId xmlns:p14="http://schemas.microsoft.com/office/powerpoint/2010/main" val="3077454452"/>
+      </p:ext>
+    </p:extLst>
+  </p:cSld>
+  <p:clrMapOvr>
+    <a:masterClrMapping/>
+  </p:clrMapOvr>
+</p:notes>
+</file>
+
+<file path=ppt/notesSlides/notesSlide3.xml><?xml version="1.0" encoding="utf-8"?>
+<p:notes xmlns:a="http://schemas.openxmlformats.org/drawingml/2006/main" xmlns:r="http://schemas.openxmlformats.org/officeDocument/2006/relationships" xmlns:p="http://schemas.openxmlformats.org/presentationml/2006/main">
+  <p:cSld>
+    <p:spTree>
+      <p:nvGrpSpPr>
+        <p:cNvPr id="1" name=""/>
+        <p:cNvGrpSpPr/>
+        <p:nvPr/>
+      </p:nvGrpSpPr>
+      <p:grpSpPr>
+        <a:xfrm>
+          <a:off x="0" y="0"/>
+          <a:ext cx="0" cy="0"/>
+          <a:chOff x="0" y="0"/>
+          <a:chExt cx="0" cy="0"/>
+        </a:xfrm>
+      </p:grpSpPr>
+      <p:sp>
+        <p:nvSpPr>
+          <p:cNvPr id="2" name="Slide Image Placeholder 1"/>
+          <p:cNvSpPr>
+            <a:spLocks noGrp="1" noRot="1" noChangeAspect="1"/>
+          </p:cNvSpPr>
+          <p:nvPr>
+            <p:ph type="sldImg"/>
+          </p:nvPr>
+        </p:nvSpPr>
+        <p:spPr/>
+      </p:sp>
+      <p:sp>
+        <p:nvSpPr>
+          <p:cNvPr id="3" name="Notes Placeholder 2"/>
+          <p:cNvSpPr>
+            <a:spLocks noGrp="1"/>
+          </p:cNvSpPr>
+          <p:nvPr>
+            <p:ph type="body" idx="1"/>
+          </p:nvPr>
+        </p:nvSpPr>
+        <p:spPr/>
+        <p:txBody>
+          <a:bodyPr/>
+          <a:lstStyle/>
+          <a:p>
+            <a:r>
+              <a:rPr lang="en-US" dirty="0" err="1" smtClean="0"/>
+              <a:t>Khi</a:t>
+            </a:r>
+            <a:r>
+              <a:rPr lang="en-US" baseline="0" dirty="0" smtClean="0"/>
+              <a:t> </a:t>
+            </a:r>
+            <a:r>
+              <a:rPr lang="en-US" baseline="0" dirty="0" err="1" smtClean="0"/>
+              <a:t>vòng</a:t>
+            </a:r>
+            <a:r>
+              <a:rPr lang="en-US" baseline="0" dirty="0" smtClean="0"/>
+              <a:t> </a:t>
+            </a:r>
+            <a:r>
+              <a:rPr lang="en-US" baseline="0" dirty="0" err="1" smtClean="0"/>
+              <a:t>đeo</a:t>
+            </a:r>
+            <a:r>
+              <a:rPr lang="en-US" baseline="0" dirty="0" smtClean="0"/>
+              <a:t> </a:t>
+            </a:r>
+            <a:r>
+              <a:rPr lang="en-US" baseline="0" dirty="0" err="1" smtClean="0"/>
+              <a:t>tay</a:t>
+            </a:r>
+            <a:r>
+              <a:rPr lang="en-US" baseline="0" dirty="0" smtClean="0"/>
+              <a:t> </a:t>
+            </a:r>
+            <a:r>
+              <a:rPr lang="en-US" baseline="0" dirty="0" err="1" smtClean="0"/>
+              <a:t>nhận</a:t>
+            </a:r>
+            <a:r>
+              <a:rPr lang="en-US" baseline="0" dirty="0" smtClean="0"/>
+              <a:t> </a:t>
+            </a:r>
+            <a:r>
+              <a:rPr lang="en-US" baseline="0" dirty="0" err="1" smtClean="0"/>
+              <a:t>đc</a:t>
+            </a:r>
+            <a:r>
+              <a:rPr lang="en-US" baseline="0" dirty="0" smtClean="0"/>
+              <a:t> </a:t>
+            </a:r>
+            <a:r>
+              <a:rPr lang="en-US" baseline="0" dirty="0" err="1" smtClean="0"/>
+              <a:t>tín</a:t>
+            </a:r>
+            <a:r>
+              <a:rPr lang="en-US" baseline="0" dirty="0" smtClean="0"/>
+              <a:t> </a:t>
+            </a:r>
+            <a:r>
+              <a:rPr lang="en-US" baseline="0" dirty="0" err="1" smtClean="0"/>
+              <a:t>hiệu</a:t>
+            </a:r>
+            <a:r>
+              <a:rPr lang="en-US" baseline="0" dirty="0" smtClean="0"/>
+              <a:t> register </a:t>
+            </a:r>
+            <a:r>
+              <a:rPr lang="en-US" baseline="0" dirty="0" err="1" smtClean="0"/>
+              <a:t>thì</a:t>
+            </a:r>
+            <a:r>
+              <a:rPr lang="en-US" baseline="0" dirty="0" smtClean="0"/>
+              <a:t> </a:t>
+            </a:r>
+            <a:r>
+              <a:rPr lang="en-US" baseline="0" dirty="0" err="1" smtClean="0"/>
+              <a:t>vòng</a:t>
+            </a:r>
+            <a:r>
+              <a:rPr lang="en-US" baseline="0" dirty="0" smtClean="0"/>
+              <a:t> </a:t>
+            </a:r>
+            <a:r>
+              <a:rPr lang="en-US" baseline="0" dirty="0" err="1" smtClean="0"/>
+              <a:t>đeo</a:t>
+            </a:r>
+            <a:r>
+              <a:rPr lang="en-US" baseline="0" dirty="0" smtClean="0"/>
+              <a:t> </a:t>
+            </a:r>
+            <a:r>
+              <a:rPr lang="en-US" baseline="0" dirty="0" err="1" smtClean="0"/>
+              <a:t>tay</a:t>
+            </a:r>
+            <a:r>
+              <a:rPr lang="en-US" baseline="0" dirty="0" smtClean="0"/>
+              <a:t> </a:t>
+            </a:r>
+            <a:r>
+              <a:rPr lang="en-US" baseline="0" dirty="0" err="1" smtClean="0"/>
+              <a:t>sẽ</a:t>
+            </a:r>
+            <a:r>
+              <a:rPr lang="en-US" baseline="0" dirty="0" smtClean="0"/>
+              <a:t> </a:t>
+            </a:r>
+            <a:r>
+              <a:rPr lang="en-US" baseline="0" dirty="0" err="1" smtClean="0"/>
+              <a:t>ngừng</a:t>
+            </a:r>
+            <a:r>
+              <a:rPr lang="en-US" baseline="0" dirty="0" smtClean="0"/>
+              <a:t> </a:t>
+            </a:r>
+            <a:r>
+              <a:rPr lang="en-US" baseline="0" dirty="0" err="1" smtClean="0"/>
+              <a:t>phát</a:t>
+            </a:r>
+            <a:r>
+              <a:rPr lang="en-US" baseline="0" dirty="0" smtClean="0"/>
+              <a:t> </a:t>
+            </a:r>
+            <a:r>
+              <a:rPr lang="en-US" baseline="0" dirty="0" err="1" smtClean="0"/>
+              <a:t>tín</a:t>
+            </a:r>
+            <a:r>
+              <a:rPr lang="en-US" baseline="0" dirty="0" smtClean="0"/>
+              <a:t> </a:t>
+            </a:r>
+            <a:r>
+              <a:rPr lang="en-US" baseline="0" dirty="0" err="1" smtClean="0"/>
+              <a:t>hiệu</a:t>
+            </a:r>
+            <a:r>
+              <a:rPr lang="en-US" baseline="0" dirty="0" smtClean="0"/>
+              <a:t> advertising package, </a:t>
+            </a:r>
+            <a:r>
+              <a:rPr lang="en-US" baseline="0" dirty="0" err="1" smtClean="0"/>
+              <a:t>đồng</a:t>
+            </a:r>
+            <a:r>
+              <a:rPr lang="en-US" baseline="0" dirty="0" smtClean="0"/>
+              <a:t> </a:t>
+            </a:r>
+            <a:r>
+              <a:rPr lang="en-US" baseline="0" dirty="0" err="1" smtClean="0"/>
+              <a:t>thời</a:t>
+            </a:r>
+            <a:r>
+              <a:rPr lang="en-US" baseline="0" dirty="0" smtClean="0"/>
+              <a:t> </a:t>
+            </a:r>
+            <a:r>
+              <a:rPr lang="en-US" baseline="0" dirty="0" err="1" smtClean="0"/>
+              <a:t>vòng</a:t>
+            </a:r>
+            <a:r>
+              <a:rPr lang="en-US" baseline="0" dirty="0" smtClean="0"/>
+              <a:t> </a:t>
+            </a:r>
+            <a:r>
+              <a:rPr lang="en-US" baseline="0" dirty="0" err="1" smtClean="0"/>
+              <a:t>đeo</a:t>
+            </a:r>
+            <a:r>
+              <a:rPr lang="en-US" baseline="0" dirty="0" smtClean="0"/>
+              <a:t> </a:t>
+            </a:r>
+            <a:r>
+              <a:rPr lang="en-US" baseline="0" dirty="0" err="1" smtClean="0"/>
+              <a:t>tay</a:t>
+            </a:r>
+            <a:r>
+              <a:rPr lang="en-US" baseline="0" dirty="0" smtClean="0"/>
+              <a:t> </a:t>
+            </a:r>
+            <a:r>
+              <a:rPr lang="en-US" baseline="0" dirty="0" err="1" smtClean="0"/>
+              <a:t>sẽ</a:t>
+            </a:r>
+            <a:r>
+              <a:rPr lang="en-US" baseline="0" dirty="0" smtClean="0"/>
+              <a:t> </a:t>
+            </a:r>
+            <a:r>
+              <a:rPr lang="en-US" baseline="0" dirty="0" err="1" smtClean="0"/>
+              <a:t>gửi</a:t>
+            </a:r>
+            <a:r>
+              <a:rPr lang="en-US" baseline="0" dirty="0" smtClean="0"/>
+              <a:t> </a:t>
+            </a:r>
+            <a:r>
+              <a:rPr lang="en-US" baseline="0" dirty="0" err="1" smtClean="0"/>
+              <a:t>về</a:t>
+            </a:r>
+            <a:r>
+              <a:rPr lang="en-US" baseline="0" dirty="0" smtClean="0"/>
+              <a:t> </a:t>
+            </a:r>
+            <a:r>
+              <a:rPr lang="en-US" baseline="0" dirty="0" err="1" smtClean="0"/>
+              <a:t>phía</a:t>
+            </a:r>
+            <a:r>
+              <a:rPr lang="en-US" baseline="0" dirty="0" smtClean="0"/>
+              <a:t> </a:t>
+            </a:r>
+            <a:r>
+              <a:rPr lang="en-US" baseline="0" dirty="0" err="1" smtClean="0"/>
+              <a:t>bên</a:t>
+            </a:r>
+            <a:r>
+              <a:rPr lang="en-US" baseline="0" dirty="0" smtClean="0"/>
+              <a:t> </a:t>
+            </a:r>
+            <a:r>
+              <a:rPr lang="en-US" baseline="0" dirty="0" err="1" smtClean="0"/>
+              <a:t>kia</a:t>
+            </a:r>
+            <a:r>
+              <a:rPr lang="en-US" baseline="0" dirty="0" smtClean="0"/>
+              <a:t> 1 </a:t>
+            </a:r>
+            <a:r>
+              <a:rPr lang="en-US" baseline="0" dirty="0" err="1" smtClean="0"/>
+              <a:t>gói</a:t>
+            </a:r>
+            <a:r>
+              <a:rPr lang="en-US" baseline="0" dirty="0" smtClean="0"/>
+              <a:t> </a:t>
+            </a:r>
+            <a:r>
+              <a:rPr lang="en-US" baseline="0" dirty="0" err="1" smtClean="0"/>
+              <a:t>là</a:t>
+            </a:r>
+            <a:r>
+              <a:rPr lang="en-US" baseline="0" dirty="0" smtClean="0"/>
+              <a:t> device profile, device profile </a:t>
+            </a:r>
+            <a:r>
+              <a:rPr lang="en-US" baseline="0" dirty="0" err="1" smtClean="0"/>
+              <a:t>cho</a:t>
+            </a:r>
+            <a:r>
+              <a:rPr lang="en-US" baseline="0" dirty="0" smtClean="0"/>
+              <a:t> ta </a:t>
+            </a:r>
+            <a:r>
+              <a:rPr lang="en-US" baseline="0" dirty="0" err="1" smtClean="0"/>
+              <a:t>biết</a:t>
+            </a:r>
+            <a:r>
+              <a:rPr lang="en-US" baseline="0" dirty="0" smtClean="0"/>
+              <a:t> </a:t>
+            </a:r>
+            <a:r>
+              <a:rPr lang="en-US" baseline="0" dirty="0" err="1" smtClean="0"/>
+              <a:t>rằng</a:t>
+            </a:r>
+            <a:r>
+              <a:rPr lang="en-US" baseline="0" dirty="0" smtClean="0"/>
+              <a:t> </a:t>
+            </a:r>
+            <a:r>
+              <a:rPr lang="en-US" baseline="0" dirty="0" err="1" smtClean="0"/>
+              <a:t>thiết</a:t>
+            </a:r>
+            <a:r>
+              <a:rPr lang="en-US" baseline="0" dirty="0" smtClean="0"/>
+              <a:t> </a:t>
+            </a:r>
+            <a:r>
+              <a:rPr lang="en-US" baseline="0" dirty="0" err="1" smtClean="0"/>
+              <a:t>bị</a:t>
+            </a:r>
+            <a:r>
+              <a:rPr lang="en-US" baseline="0" dirty="0" smtClean="0"/>
+              <a:t> </a:t>
+            </a:r>
+            <a:r>
+              <a:rPr lang="en-US" baseline="0" dirty="0" err="1" smtClean="0"/>
+              <a:t>này</a:t>
+            </a:r>
+            <a:r>
+              <a:rPr lang="en-US" baseline="0" dirty="0" smtClean="0"/>
+              <a:t> </a:t>
+            </a:r>
+            <a:r>
+              <a:rPr lang="en-US" baseline="0" dirty="0" err="1" smtClean="0"/>
+              <a:t>có</a:t>
+            </a:r>
+            <a:r>
+              <a:rPr lang="en-US" baseline="0" dirty="0" smtClean="0"/>
+              <a:t> </a:t>
+            </a:r>
+            <a:r>
+              <a:rPr lang="en-US" baseline="0" dirty="0" err="1" smtClean="0"/>
+              <a:t>những</a:t>
+            </a:r>
+            <a:r>
+              <a:rPr lang="en-US" baseline="0" dirty="0" smtClean="0"/>
+              <a:t> </a:t>
+            </a:r>
+            <a:r>
+              <a:rPr lang="en-US" baseline="0" dirty="0" err="1" smtClean="0"/>
+              <a:t>gì</a:t>
+            </a:r>
+            <a:r>
+              <a:rPr lang="en-US" baseline="0" dirty="0" smtClean="0"/>
+              <a:t>, </a:t>
+            </a:r>
+            <a:r>
+              <a:rPr lang="en-US" baseline="0" dirty="0" err="1" smtClean="0"/>
+              <a:t>những</a:t>
+            </a:r>
+            <a:r>
+              <a:rPr lang="en-US" baseline="0" dirty="0" smtClean="0"/>
+              <a:t> </a:t>
+            </a:r>
+            <a:r>
+              <a:rPr lang="en-US" baseline="0" dirty="0" err="1" smtClean="0"/>
+              <a:t>dữ</a:t>
+            </a:r>
+            <a:r>
+              <a:rPr lang="en-US" baseline="0" dirty="0" smtClean="0"/>
+              <a:t> </a:t>
+            </a:r>
+            <a:r>
+              <a:rPr lang="en-US" baseline="0" dirty="0" err="1" smtClean="0"/>
+              <a:t>liệu</a:t>
+            </a:r>
+            <a:r>
+              <a:rPr lang="en-US" baseline="0" dirty="0" smtClean="0"/>
+              <a:t> </a:t>
+            </a:r>
+            <a:r>
+              <a:rPr lang="en-US" baseline="0" dirty="0" err="1" smtClean="0"/>
+              <a:t>nào</a:t>
+            </a:r>
+            <a:r>
+              <a:rPr lang="en-US" baseline="0" dirty="0" smtClean="0"/>
+              <a:t> </a:t>
+            </a:r>
+            <a:r>
+              <a:rPr lang="en-US" baseline="0" dirty="0" err="1" smtClean="0"/>
+              <a:t>mình</a:t>
+            </a:r>
+            <a:r>
+              <a:rPr lang="en-US" baseline="0" dirty="0" smtClean="0"/>
+              <a:t> </a:t>
+            </a:r>
+            <a:r>
+              <a:rPr lang="en-US" baseline="0" dirty="0" err="1" smtClean="0"/>
+              <a:t>có</a:t>
+            </a:r>
+            <a:r>
+              <a:rPr lang="en-US" baseline="0" dirty="0" smtClean="0"/>
+              <a:t> </a:t>
+            </a:r>
+            <a:r>
+              <a:rPr lang="en-US" baseline="0" dirty="0" err="1" smtClean="0"/>
+              <a:t>thể</a:t>
+            </a:r>
+            <a:r>
+              <a:rPr lang="en-US" baseline="0" dirty="0" smtClean="0"/>
+              <a:t> </a:t>
+            </a:r>
+            <a:r>
+              <a:rPr lang="en-US" baseline="0" smtClean="0"/>
+              <a:t>th</a:t>
+            </a:r>
+            <a:endParaRPr lang="vi-VN" dirty="0"/>
+          </a:p>
+        </p:txBody>
+      </p:sp>
+      <p:sp>
+        <p:nvSpPr>
+          <p:cNvPr id="4" name="Slide Number Placeholder 3"/>
+          <p:cNvSpPr>
+            <a:spLocks noGrp="1"/>
+          </p:cNvSpPr>
+          <p:nvPr>
+            <p:ph type="sldNum" sz="quarter" idx="10"/>
+          </p:nvPr>
+        </p:nvSpPr>
+        <p:spPr/>
+        <p:txBody>
+          <a:bodyPr/>
+          <a:lstStyle/>
+          <a:p>
+            <a:fld id="{7D598720-40A9-4507-82B1-B32D5FA228CF}" type="slidenum">
+              <a:rPr lang="vi-VN" smtClean="0"/>
+              <a:t>3</a:t>
+            </a:fld>
+            <a:endParaRPr lang="vi-VN"/>
+          </a:p>
+        </p:txBody>
+      </p:sp>
+    </p:spTree>
+    <p:extLst>
+      <p:ext uri="{BB962C8B-B14F-4D97-AF65-F5344CB8AC3E}">
+        <p14:creationId xmlns:p14="http://schemas.microsoft.com/office/powerpoint/2010/main" val="37481829"/>
+      </p:ext>
+    </p:extLst>
+  </p:cSld>
+  <p:clrMapOvr>
+    <a:masterClrMapping/>
+  </p:clrMapOvr>
+</p:notes>
+</file>
+
+<file path=ppt/notesSlides/notesSlide4.xml><?xml version="1.0" encoding="utf-8"?>
 <p:notes xmlns:a="http://schemas.openxmlformats.org/drawingml/2006/main" xmlns:r="http://schemas.openxmlformats.org/officeDocument/2006/relationships" xmlns:p="http://schemas.openxmlformats.org/presentationml/2006/main" showMasterSp="0" showMasterPhAnim="0">
   <p:cSld>
     <p:spTree>
@@ -604,7 +2211,7 @@
 </p:notes>
 </file>
 
-<file path=ppt/notesSlides/notesSlide2.xml><?xml version="1.0" encoding="utf-8"?>
+<file path=ppt/notesSlides/notesSlide5.xml><?xml version="1.0" encoding="utf-8"?>
 <p:notes xmlns:a="http://schemas.openxmlformats.org/drawingml/2006/main" xmlns:r="http://schemas.openxmlformats.org/officeDocument/2006/relationships" xmlns:p="http://schemas.openxmlformats.org/presentationml/2006/main" showMasterSp="0" showMasterPhAnim="0">
   <p:cSld>
     <p:spTree>
@@ -732,7 +2339,7 @@
 </p:notes>
 </file>
 
-<file path=ppt/notesSlides/notesSlide3.xml><?xml version="1.0" encoding="utf-8"?>
+<file path=ppt/notesSlides/notesSlide6.xml><?xml version="1.0" encoding="utf-8"?>
 <p:notes xmlns:a="http://schemas.openxmlformats.org/drawingml/2006/main" xmlns:r="http://schemas.openxmlformats.org/officeDocument/2006/relationships" xmlns:p="http://schemas.openxmlformats.org/presentationml/2006/main" showMasterSp="0" showMasterPhAnim="0">
   <p:cSld>
     <p:spTree>
@@ -856,7 +2463,7 @@
 </p:notes>
 </file>
 
-<file path=ppt/notesSlides/notesSlide4.xml><?xml version="1.0" encoding="utf-8"?>
+<file path=ppt/notesSlides/notesSlide7.xml><?xml version="1.0" encoding="utf-8"?>
 <p:notes xmlns:a="http://schemas.openxmlformats.org/drawingml/2006/main" xmlns:r="http://schemas.openxmlformats.org/officeDocument/2006/relationships" xmlns:p="http://schemas.openxmlformats.org/presentationml/2006/main" showMasterSp="0" showMasterPhAnim="0">
   <p:cSld>
     <p:spTree>
@@ -984,7 +2591,7 @@
 </p:notes>
 </file>
 
-<file path=ppt/notesSlides/notesSlide5.xml><?xml version="1.0" encoding="utf-8"?>
+<file path=ppt/notesSlides/notesSlide8.xml><?xml version="1.0" encoding="utf-8"?>
 <p:notes xmlns:a="http://schemas.openxmlformats.org/drawingml/2006/main" xmlns:r="http://schemas.openxmlformats.org/officeDocument/2006/relationships" xmlns:p="http://schemas.openxmlformats.org/presentationml/2006/main" showMasterSp="0" showMasterPhAnim="0">
   <p:cSld>
     <p:spTree>
@@ -4302,7 +5909,7 @@
           <p:nvPr/>
         </p:nvPicPr>
         <p:blipFill>
-          <a:blip r:embed="rId2">
+          <a:blip r:embed="rId3">
             <a:extLst>
               <a:ext uri="{28A0092B-C50C-407E-A947-70E740481C1C}">
                 <a14:useLocalDpi xmlns:a14="http://schemas.microsoft.com/office/drawing/2010/main" val="0"/>
@@ -4334,7 +5941,7 @@
           </p:nvPr>
         </p:nvPicPr>
         <p:blipFill>
-          <a:blip r:embed="rId3" cstate="print">
+          <a:blip r:embed="rId4" cstate="print">
             <a:extLst>
               <a:ext uri="{28A0092B-C50C-407E-A947-70E740481C1C}">
                 <a14:useLocalDpi xmlns:a14="http://schemas.microsoft.com/office/drawing/2010/main" val="0"/>
@@ -6408,7 +8015,7 @@
           <p:nvPr/>
         </p:nvPicPr>
         <p:blipFill>
-          <a:blip r:embed="rId2">
+          <a:blip r:embed="rId3">
             <a:extLst>
               <a:ext uri="{28A0092B-C50C-407E-A947-70E740481C1C}">
                 <a14:useLocalDpi xmlns:a14="http://schemas.microsoft.com/office/drawing/2010/main" val="0"/>
@@ -6478,7 +8085,7 @@
           </p:nvPr>
         </p:nvPicPr>
         <p:blipFill>
-          <a:blip r:embed="rId3" cstate="print">
+          <a:blip r:embed="rId4" cstate="print">
             <a:extLst>
               <a:ext uri="{28A0092B-C50C-407E-A947-70E740481C1C}">
                 <a14:useLocalDpi xmlns:a14="http://schemas.microsoft.com/office/drawing/2010/main" val="0"/>
@@ -6542,7 +8149,7 @@
           <p:nvPr/>
         </p:nvPicPr>
         <p:blipFill>
-          <a:blip r:embed="rId2">
+          <a:blip r:embed="rId3">
             <a:extLst>
               <a:ext uri="{28A0092B-C50C-407E-A947-70E740481C1C}">
                 <a14:useLocalDpi xmlns:a14="http://schemas.microsoft.com/office/drawing/2010/main" val="0"/>
@@ -6574,7 +8181,7 @@
           </p:nvPr>
         </p:nvPicPr>
         <p:blipFill>
-          <a:blip r:embed="rId3" cstate="print">
+          <a:blip r:embed="rId4" cstate="print">
             <a:extLst>
               <a:ext uri="{28A0092B-C50C-407E-A947-70E740481C1C}">
                 <a14:useLocalDpi xmlns:a14="http://schemas.microsoft.com/office/drawing/2010/main" val="0"/>
